--- a/Presentation/Group Presentation.pptx
+++ b/Presentation/Group Presentation.pptx
@@ -216,7 +216,7 @@
           <a:p>
             <a:fld id="{ED032E86-729D-413A-9811-CB7F37589E43}" type="datetimeFigureOut">
               <a:rPr lang="en-GB" smtClean="0"/>
-              <a:t>08/03/2017</a:t>
+              <a:t>09/03/2017</a:t>
             </a:fld>
             <a:endParaRPr lang="en-GB"/>
           </a:p>
@@ -1306,7 +1306,7 @@
           <a:p>
             <a:fld id="{8D61EE6A-9863-FF4C-86C7-9A2AEC5FBC05}" type="datetimeFigureOut">
               <a:rPr lang="en-US" smtClean="0"/>
-              <a:t>3/8/2017</a:t>
+              <a:t>3/9/2017</a:t>
             </a:fld>
             <a:endParaRPr lang="en-US"/>
           </a:p>
@@ -1474,7 +1474,7 @@
           <a:p>
             <a:fld id="{8D61EE6A-9863-FF4C-86C7-9A2AEC5FBC05}" type="datetimeFigureOut">
               <a:rPr lang="en-US" smtClean="0"/>
-              <a:t>3/8/2017</a:t>
+              <a:t>3/9/2017</a:t>
             </a:fld>
             <a:endParaRPr lang="en-US"/>
           </a:p>
@@ -1652,7 +1652,7 @@
           <a:p>
             <a:fld id="{8D61EE6A-9863-FF4C-86C7-9A2AEC5FBC05}" type="datetimeFigureOut">
               <a:rPr lang="en-US" smtClean="0"/>
-              <a:t>3/8/2017</a:t>
+              <a:t>3/9/2017</a:t>
             </a:fld>
             <a:endParaRPr lang="en-US"/>
           </a:p>
@@ -1820,7 +1820,7 @@
           <a:p>
             <a:fld id="{8D61EE6A-9863-FF4C-86C7-9A2AEC5FBC05}" type="datetimeFigureOut">
               <a:rPr lang="en-US" smtClean="0"/>
-              <a:t>3/8/2017</a:t>
+              <a:t>3/9/2017</a:t>
             </a:fld>
             <a:endParaRPr lang="en-US"/>
           </a:p>
@@ -2065,7 +2065,7 @@
           <a:p>
             <a:fld id="{8D61EE6A-9863-FF4C-86C7-9A2AEC5FBC05}" type="datetimeFigureOut">
               <a:rPr lang="en-US" smtClean="0"/>
-              <a:t>3/8/2017</a:t>
+              <a:t>3/9/2017</a:t>
             </a:fld>
             <a:endParaRPr lang="en-US"/>
           </a:p>
@@ -2294,7 +2294,7 @@
           <a:p>
             <a:fld id="{8D61EE6A-9863-FF4C-86C7-9A2AEC5FBC05}" type="datetimeFigureOut">
               <a:rPr lang="en-US" smtClean="0"/>
-              <a:t>3/8/2017</a:t>
+              <a:t>3/9/2017</a:t>
             </a:fld>
             <a:endParaRPr lang="en-US"/>
           </a:p>
@@ -2658,7 +2658,7 @@
           <a:p>
             <a:fld id="{8D61EE6A-9863-FF4C-86C7-9A2AEC5FBC05}" type="datetimeFigureOut">
               <a:rPr lang="en-US" smtClean="0"/>
-              <a:t>3/8/2017</a:t>
+              <a:t>3/9/2017</a:t>
             </a:fld>
             <a:endParaRPr lang="en-US"/>
           </a:p>
@@ -2775,7 +2775,7 @@
           <a:p>
             <a:fld id="{8D61EE6A-9863-FF4C-86C7-9A2AEC5FBC05}" type="datetimeFigureOut">
               <a:rPr lang="en-US" smtClean="0"/>
-              <a:t>3/8/2017</a:t>
+              <a:t>3/9/2017</a:t>
             </a:fld>
             <a:endParaRPr lang="en-US"/>
           </a:p>
@@ -2870,7 +2870,7 @@
           <a:p>
             <a:fld id="{8D61EE6A-9863-FF4C-86C7-9A2AEC5FBC05}" type="datetimeFigureOut">
               <a:rPr lang="en-US" smtClean="0"/>
-              <a:t>3/8/2017</a:t>
+              <a:t>3/9/2017</a:t>
             </a:fld>
             <a:endParaRPr lang="en-US"/>
           </a:p>
@@ -3145,7 +3145,7 @@
           <a:p>
             <a:fld id="{8D61EE6A-9863-FF4C-86C7-9A2AEC5FBC05}" type="datetimeFigureOut">
               <a:rPr lang="en-US" smtClean="0"/>
-              <a:t>3/8/2017</a:t>
+              <a:t>3/9/2017</a:t>
             </a:fld>
             <a:endParaRPr lang="en-US"/>
           </a:p>
@@ -3397,7 +3397,7 @@
           <a:p>
             <a:fld id="{8D61EE6A-9863-FF4C-86C7-9A2AEC5FBC05}" type="datetimeFigureOut">
               <a:rPr lang="en-US" smtClean="0"/>
-              <a:t>3/8/2017</a:t>
+              <a:t>3/9/2017</a:t>
             </a:fld>
             <a:endParaRPr lang="en-US"/>
           </a:p>
@@ -3608,7 +3608,7 @@
           <a:p>
             <a:fld id="{8D61EE6A-9863-FF4C-86C7-9A2AEC5FBC05}" type="datetimeFigureOut">
               <a:rPr lang="en-US" smtClean="0"/>
-              <a:t>3/8/2017</a:t>
+              <a:t>3/9/2017</a:t>
             </a:fld>
             <a:endParaRPr lang="en-US"/>
           </a:p>
@@ -4360,126 +4360,58 @@
         </p:nvSpPr>
         <p:spPr>
           <a:xfrm>
-            <a:off x="838200" y="2082464"/>
-            <a:ext cx="7097889" cy="3356568"/>
+            <a:off x="1233311" y="1798246"/>
+            <a:ext cx="6242754" cy="4513979"/>
           </a:xfrm>
         </p:spPr>
         <p:txBody>
           <a:bodyPr>
-            <a:normAutofit/>
+            <a:normAutofit fontScale="92500"/>
           </a:bodyPr>
           <a:lstStyle/>
           <a:p>
             <a:pPr>
               <a:lnSpc>
-                <a:spcPct val="150000"/>
+                <a:spcPct val="300000"/>
               </a:lnSpc>
             </a:pPr>
             <a:r>
               <a:rPr lang="en-US" dirty="0"/>
-              <a:t>An Intuitive and user friendly application</a:t>
+              <a:t>Intended for offline use</a:t>
             </a:r>
           </a:p>
           <a:p>
             <a:pPr>
               <a:lnSpc>
-                <a:spcPct val="150000"/>
+                <a:spcPct val="300000"/>
               </a:lnSpc>
             </a:pPr>
             <a:r>
               <a:rPr lang="en-US" dirty="0"/>
-              <a:t>Intended for offline use</a:t>
+              <a:t>Created with accessibility in mind</a:t>
             </a:r>
           </a:p>
           <a:p>
             <a:pPr>
               <a:lnSpc>
-                <a:spcPct val="150000"/>
+                <a:spcPct val="300000"/>
               </a:lnSpc>
             </a:pPr>
             <a:r>
               <a:rPr lang="en-US" dirty="0"/>
-              <a:t>Created with accessibility in mind</a:t>
+              <a:t>An Intuitive and user friendly application</a:t>
             </a:r>
           </a:p>
           <a:p>
             <a:pPr>
               <a:lnSpc>
-                <a:spcPct val="150000"/>
+                <a:spcPct val="300000"/>
               </a:lnSpc>
             </a:pPr>
-            <a:r>
-              <a:rPr lang="en-US" dirty="0"/>
-              <a:t>Thoughtful Iconography and </a:t>
-            </a:r>
-            <a:r>
-              <a:rPr lang="en-US" dirty="0" err="1"/>
-              <a:t>colour</a:t>
-            </a:r>
-            <a:r>
-              <a:rPr lang="en-US" dirty="0"/>
-              <a:t> schemes</a:t>
-            </a:r>
-          </a:p>
-        </p:txBody>
-      </p:sp>
-      <p:graphicFrame>
-        <p:nvGraphicFramePr>
-          <p:cNvPr id="4" name="Object 3"/>
-          <p:cNvGraphicFramePr>
-            <a:graphicFrameLocks noChangeAspect="1"/>
-          </p:cNvGraphicFramePr>
-          <p:nvPr>
-            <p:extLst>
-              <p:ext uri="{D42A27DB-BD31-4B8C-83A1-F6EECF244321}">
-                <p14:modId xmlns:p14="http://schemas.microsoft.com/office/powerpoint/2010/main" val="2453886349"/>
-              </p:ext>
-            </p:extLst>
-          </p:nvPr>
-        </p:nvGraphicFramePr>
-        <p:xfrm>
-          <a:off x="8713526" y="1604119"/>
-          <a:ext cx="2109429" cy="2730694"/>
-        </p:xfrm>
-        <a:graphic>
-          <a:graphicData uri="http://schemas.openxmlformats.org/presentationml/2006/ole">
-            <mc:AlternateContent xmlns:mc="http://schemas.openxmlformats.org/markup-compatibility/2006">
-              <mc:Choice xmlns:v="urn:schemas-microsoft-com:vml" Requires="v">
-                <p:oleObj spid="_x0000_s1041" name="Acrobat Document" r:id="rId4" imgW="4663051" imgH="6035040" progId="AcroExch.Document.DC">
-                  <p:embed/>
-                </p:oleObj>
-              </mc:Choice>
-              <mc:Fallback>
-                <p:oleObj name="Acrobat Document" r:id="rId4" imgW="4663051" imgH="6035040" progId="AcroExch.Document.DC">
-                  <p:embed/>
-                  <p:pic>
-                    <p:nvPicPr>
-                      <p:cNvPr id="0" name=""/>
-                      <p:cNvPicPr/>
-                      <p:nvPr/>
-                    </p:nvPicPr>
-                    <p:blipFill>
-                      <a:blip r:embed="rId5"/>
-                      <a:stretch>
-                        <a:fillRect/>
-                      </a:stretch>
-                    </p:blipFill>
-                    <p:spPr>
-                      <a:xfrm>
-                        <a:off x="8713526" y="1604119"/>
-                        <a:ext cx="2109429" cy="2730694"/>
-                      </a:xfrm>
-                      <a:prstGeom prst="rect">
-                        <a:avLst/>
-                      </a:prstGeom>
-                    </p:spPr>
-                  </p:pic>
-                </p:oleObj>
-              </mc:Fallback>
-            </mc:AlternateContent>
-          </a:graphicData>
-        </a:graphic>
-      </p:graphicFrame>
+            <a:endParaRPr lang="en-US" dirty="0"/>
+          </a:p>
+        </p:txBody>
+      </p:sp>
       <p:pic>
         <p:nvPicPr>
           <p:cNvPr id="6" name="Picture 5"/>
@@ -4489,15 +4421,90 @@
           <p:nvPr/>
         </p:nvPicPr>
         <p:blipFill>
-          <a:blip r:embed="rId6"/>
+          <a:blip r:embed="rId3">
+            <a:duotone>
+              <a:schemeClr val="accent1">
+                <a:shade val="45000"/>
+                <a:satMod val="135000"/>
+              </a:schemeClr>
+              <a:prstClr val="white"/>
+            </a:duotone>
+          </a:blip>
           <a:stretch>
             <a:fillRect/>
           </a:stretch>
         </p:blipFill>
         <p:spPr>
           <a:xfrm>
-            <a:off x="9143721" y="3856102"/>
-            <a:ext cx="1249038" cy="1424886"/>
+            <a:off x="8402360" y="3378563"/>
+            <a:ext cx="930234" cy="1061198"/>
+          </a:xfrm>
+          <a:prstGeom prst="rect">
+            <a:avLst/>
+          </a:prstGeom>
+          <a:ln>
+            <a:solidFill>
+              <a:schemeClr val="accent1">
+                <a:lumMod val="75000"/>
+              </a:schemeClr>
+            </a:solidFill>
+          </a:ln>
+        </p:spPr>
+      </p:pic>
+      <p:pic>
+        <p:nvPicPr>
+          <p:cNvPr id="7" name="Graphic 6"/>
+          <p:cNvPicPr>
+            <a:picLocks noChangeAspect="1"/>
+          </p:cNvPicPr>
+          <p:nvPr/>
+        </p:nvPicPr>
+        <p:blipFill>
+          <a:blip r:embed="rId4">
+            <a:extLst>
+              <a:ext uri="{96DAC541-7B7A-43D3-8B79-37D633B846F1}">
+                <asvg:svgBlip xmlns:asvg="http://schemas.microsoft.com/office/drawing/2016/SVG/main" r:embed="rId5"/>
+              </a:ext>
+            </a:extLst>
+          </a:blip>
+          <a:stretch>
+            <a:fillRect/>
+          </a:stretch>
+        </p:blipFill>
+        <p:spPr>
+          <a:xfrm>
+            <a:off x="8209586" y="1798246"/>
+            <a:ext cx="1315876" cy="1315876"/>
+          </a:xfrm>
+          <a:prstGeom prst="rect">
+            <a:avLst/>
+          </a:prstGeom>
+        </p:spPr>
+      </p:pic>
+      <p:pic>
+        <p:nvPicPr>
+          <p:cNvPr id="11" name="Graphic 10"/>
+          <p:cNvPicPr>
+            <a:picLocks noChangeAspect="1"/>
+          </p:cNvPicPr>
+          <p:nvPr/>
+        </p:nvPicPr>
+        <p:blipFill>
+          <a:blip r:embed="rId6">
+            <a:extLst>
+              <a:ext uri="{96DAC541-7B7A-43D3-8B79-37D633B846F1}">
+                <asvg:svgBlip xmlns:asvg="http://schemas.microsoft.com/office/drawing/2016/SVG/main" r:embed="rId7"/>
+              </a:ext>
+            </a:extLst>
+          </a:blip>
+          <a:stretch>
+            <a:fillRect/>
+          </a:stretch>
+        </p:blipFill>
+        <p:spPr>
+          <a:xfrm>
+            <a:off x="8251020" y="4834550"/>
+            <a:ext cx="1232914" cy="1232914"/>
           </a:xfrm>
           <a:prstGeom prst="rect">
             <a:avLst/>
@@ -4575,7 +4582,7 @@
         </p:nvSpPr>
         <p:spPr>
           <a:xfrm>
-            <a:off x="838200" y="2328322"/>
+            <a:off x="838200" y="2014935"/>
             <a:ext cx="6476298" cy="3220035"/>
           </a:xfrm>
         </p:spPr>
@@ -4668,6 +4675,66 @@
           </a:prstGeom>
         </p:spPr>
       </p:pic>
+      <p:pic>
+        <p:nvPicPr>
+          <p:cNvPr id="9" name="Graphic 8"/>
+          <p:cNvPicPr>
+            <a:picLocks noChangeAspect="1"/>
+          </p:cNvPicPr>
+          <p:nvPr/>
+        </p:nvPicPr>
+        <p:blipFill>
+          <a:blip r:embed="rId5">
+            <a:extLst>
+              <a:ext uri="{96DAC541-7B7A-43D3-8B79-37D633B846F1}">
+                <asvg:svgBlip xmlns:asvg="http://schemas.microsoft.com/office/drawing/2016/SVG/main" r:embed="rId6"/>
+              </a:ext>
+            </a:extLst>
+          </a:blip>
+          <a:stretch>
+            <a:fillRect/>
+          </a:stretch>
+        </p:blipFill>
+        <p:spPr>
+          <a:xfrm>
+            <a:off x="2587528" y="4918347"/>
+            <a:ext cx="1281737" cy="1281737"/>
+          </a:xfrm>
+          <a:prstGeom prst="rect">
+            <a:avLst/>
+          </a:prstGeom>
+        </p:spPr>
+      </p:pic>
+      <p:pic>
+        <p:nvPicPr>
+          <p:cNvPr id="13" name="Graphic 12"/>
+          <p:cNvPicPr>
+            <a:picLocks noChangeAspect="1"/>
+          </p:cNvPicPr>
+          <p:nvPr/>
+        </p:nvPicPr>
+        <p:blipFill>
+          <a:blip r:embed="rId7">
+            <a:extLst>
+              <a:ext uri="{96DAC541-7B7A-43D3-8B79-37D633B846F1}">
+                <asvg:svgBlip xmlns:asvg="http://schemas.microsoft.com/office/drawing/2016/SVG/main" r:embed="rId8"/>
+              </a:ext>
+            </a:extLst>
+          </a:blip>
+          <a:stretch>
+            <a:fillRect/>
+          </a:stretch>
+        </p:blipFill>
+        <p:spPr>
+          <a:xfrm>
+            <a:off x="960012" y="4918346"/>
+            <a:ext cx="1281737" cy="1281737"/>
+          </a:xfrm>
+          <a:prstGeom prst="rect">
+            <a:avLst/>
+          </a:prstGeom>
+        </p:spPr>
+      </p:pic>
     </p:spTree>
     <p:extLst>
       <p:ext uri="{BB962C8B-B14F-4D97-AF65-F5344CB8AC3E}">
@@ -4744,8 +4811,8 @@
         </p:nvSpPr>
         <p:spPr>
           <a:xfrm>
-            <a:off x="2367205" y="2204720"/>
-            <a:ext cx="3760640" cy="4215187"/>
+            <a:off x="1615037" y="1659014"/>
+            <a:ext cx="3760640" cy="3239910"/>
           </a:xfrm>
         </p:spPr>
         <p:txBody>
@@ -4754,36 +4821,44 @@
           </a:bodyPr>
           <a:lstStyle/>
           <a:p>
+            <a:pPr>
+              <a:lnSpc>
+                <a:spcPct val="150000"/>
+              </a:lnSpc>
+            </a:pPr>
             <a:r>
               <a:rPr lang="en-US" dirty="0"/>
               <a:t>Gantt Chart</a:t>
             </a:r>
           </a:p>
           <a:p>
-            <a:endParaRPr lang="en-US" dirty="0"/>
-          </a:p>
-          <a:p>
+            <a:pPr>
+              <a:lnSpc>
+                <a:spcPct val="150000"/>
+              </a:lnSpc>
+            </a:pPr>
             <a:r>
               <a:rPr lang="en-US" dirty="0"/>
               <a:t>Milestones</a:t>
             </a:r>
           </a:p>
           <a:p>
-            <a:endParaRPr lang="en-US" dirty="0"/>
-          </a:p>
-          <a:p>
+            <a:pPr>
+              <a:lnSpc>
+                <a:spcPct val="150000"/>
+              </a:lnSpc>
+            </a:pPr>
             <a:r>
               <a:rPr lang="en-US" dirty="0"/>
               <a:t>Group Meetings</a:t>
             </a:r>
           </a:p>
           <a:p>
-            <a:pPr marL="0" indent="0">
-              <a:buNone/>
+            <a:pPr>
+              <a:lnSpc>
+                <a:spcPct val="150000"/>
+              </a:lnSpc>
             </a:pPr>
-            <a:endParaRPr lang="en-US" dirty="0"/>
-          </a:p>
-          <a:p>
             <a:r>
               <a:rPr lang="en-US" dirty="0" err="1"/>
               <a:t>Github</a:t>
@@ -4814,8 +4889,128 @@
         </p:blipFill>
         <p:spPr>
           <a:xfrm>
-            <a:off x="6878880" y="2204720"/>
-            <a:ext cx="3524718" cy="3454400"/>
+            <a:off x="7673281" y="1731785"/>
+            <a:ext cx="2863474" cy="2806348"/>
+          </a:xfrm>
+          <a:prstGeom prst="rect">
+            <a:avLst/>
+          </a:prstGeom>
+        </p:spPr>
+      </p:pic>
+      <p:pic>
+        <p:nvPicPr>
+          <p:cNvPr id="6" name="Graphic 5"/>
+          <p:cNvPicPr>
+            <a:picLocks noChangeAspect="1"/>
+          </p:cNvPicPr>
+          <p:nvPr/>
+        </p:nvPicPr>
+        <p:blipFill>
+          <a:blip r:embed="rId4">
+            <a:extLst>
+              <a:ext uri="{96DAC541-7B7A-43D3-8B79-37D633B846F1}">
+                <asvg:svgBlip xmlns:asvg="http://schemas.microsoft.com/office/drawing/2016/SVG/main" r:embed="rId5"/>
+              </a:ext>
+            </a:extLst>
+          </a:blip>
+          <a:stretch>
+            <a:fillRect/>
+          </a:stretch>
+        </p:blipFill>
+        <p:spPr>
+          <a:xfrm>
+            <a:off x="1792937" y="5067514"/>
+            <a:ext cx="1271161" cy="1271161"/>
+          </a:xfrm>
+          <a:prstGeom prst="rect">
+            <a:avLst/>
+          </a:prstGeom>
+        </p:spPr>
+      </p:pic>
+      <p:pic>
+        <p:nvPicPr>
+          <p:cNvPr id="8" name="Graphic 7"/>
+          <p:cNvPicPr>
+            <a:picLocks noChangeAspect="1"/>
+          </p:cNvPicPr>
+          <p:nvPr/>
+        </p:nvPicPr>
+        <p:blipFill>
+          <a:blip r:embed="rId6">
+            <a:extLst>
+              <a:ext uri="{96DAC541-7B7A-43D3-8B79-37D633B846F1}">
+                <asvg:svgBlip xmlns:asvg="http://schemas.microsoft.com/office/drawing/2016/SVG/main" r:embed="rId7"/>
+              </a:ext>
+            </a:extLst>
+          </a:blip>
+          <a:stretch>
+            <a:fillRect/>
+          </a:stretch>
+        </p:blipFill>
+        <p:spPr>
+          <a:xfrm>
+            <a:off x="3928937" y="4898922"/>
+            <a:ext cx="1608343" cy="1608343"/>
+          </a:xfrm>
+          <a:prstGeom prst="rect">
+            <a:avLst/>
+          </a:prstGeom>
+        </p:spPr>
+      </p:pic>
+      <p:pic>
+        <p:nvPicPr>
+          <p:cNvPr id="10" name="Graphic 9"/>
+          <p:cNvPicPr>
+            <a:picLocks noChangeAspect="1"/>
+          </p:cNvPicPr>
+          <p:nvPr/>
+        </p:nvPicPr>
+        <p:blipFill>
+          <a:blip r:embed="rId8">
+            <a:extLst>
+              <a:ext uri="{96DAC541-7B7A-43D3-8B79-37D633B846F1}">
+                <asvg:svgBlip xmlns:asvg="http://schemas.microsoft.com/office/drawing/2016/SVG/main" r:embed="rId9"/>
+              </a:ext>
+            </a:extLst>
+          </a:blip>
+          <a:stretch>
+            <a:fillRect/>
+          </a:stretch>
+        </p:blipFill>
+        <p:spPr>
+          <a:xfrm>
+            <a:off x="6367777" y="5067511"/>
+            <a:ext cx="1271162" cy="1271162"/>
+          </a:xfrm>
+          <a:prstGeom prst="rect">
+            <a:avLst/>
+          </a:prstGeom>
+        </p:spPr>
+      </p:pic>
+      <p:pic>
+        <p:nvPicPr>
+          <p:cNvPr id="12" name="Graphic 11"/>
+          <p:cNvPicPr>
+            <a:picLocks noChangeAspect="1"/>
+          </p:cNvPicPr>
+          <p:nvPr/>
+        </p:nvPicPr>
+        <p:blipFill>
+          <a:blip r:embed="rId10">
+            <a:extLst>
+              <a:ext uri="{96DAC541-7B7A-43D3-8B79-37D633B846F1}">
+                <asvg:svgBlip xmlns:asvg="http://schemas.microsoft.com/office/drawing/2016/SVG/main" r:embed="rId11"/>
+              </a:ext>
+            </a:extLst>
+          </a:blip>
+          <a:stretch>
+            <a:fillRect/>
+          </a:stretch>
+        </p:blipFill>
+        <p:spPr>
+          <a:xfrm>
+            <a:off x="8469437" y="5067512"/>
+            <a:ext cx="1271161" cy="1271161"/>
           </a:xfrm>
           <a:prstGeom prst="rect">
             <a:avLst/>

--- a/Presentation/Group Presentation.pptx
+++ b/Presentation/Group Presentation.pptx
@@ -117,7 +117,7 @@
   </p:defaultTextStyle>
   <p:extLst>
     <p:ext uri="{EFAFB233-063F-42B5-8137-9DF3F51BA10A}">
-      <p15:sldGuideLst xmlns:p15="http://schemas.microsoft.com/office/powerpoint/2012/main">
+      <p15:sldGuideLst xmlns="" xmlns:p15="http://schemas.microsoft.com/office/powerpoint/2012/main">
         <p15:guide id="1" orient="horz" pos="2160">
           <p15:clr>
             <a:srgbClr val="A4A3A4"/>
@@ -216,7 +216,7 @@
           <a:p>
             <a:fld id="{ED032E86-729D-413A-9811-CB7F37589E43}" type="datetimeFigureOut">
               <a:rPr lang="en-GB" smtClean="0"/>
-              <a:t>09/03/2017</a:t>
+              <a:t>09/03/17</a:t>
             </a:fld>
             <a:endParaRPr lang="en-GB"/>
           </a:p>
@@ -1306,7 +1306,7 @@
           <a:p>
             <a:fld id="{8D61EE6A-9863-FF4C-86C7-9A2AEC5FBC05}" type="datetimeFigureOut">
               <a:rPr lang="en-US" smtClean="0"/>
-              <a:t>3/9/2017</a:t>
+              <a:t>09/03/17</a:t>
             </a:fld>
             <a:endParaRPr lang="en-US"/>
           </a:p>
@@ -1474,7 +1474,7 @@
           <a:p>
             <a:fld id="{8D61EE6A-9863-FF4C-86C7-9A2AEC5FBC05}" type="datetimeFigureOut">
               <a:rPr lang="en-US" smtClean="0"/>
-              <a:t>3/9/2017</a:t>
+              <a:t>09/03/17</a:t>
             </a:fld>
             <a:endParaRPr lang="en-US"/>
           </a:p>
@@ -1652,7 +1652,7 @@
           <a:p>
             <a:fld id="{8D61EE6A-9863-FF4C-86C7-9A2AEC5FBC05}" type="datetimeFigureOut">
               <a:rPr lang="en-US" smtClean="0"/>
-              <a:t>3/9/2017</a:t>
+              <a:t>09/03/17</a:t>
             </a:fld>
             <a:endParaRPr lang="en-US"/>
           </a:p>
@@ -1820,7 +1820,7 @@
           <a:p>
             <a:fld id="{8D61EE6A-9863-FF4C-86C7-9A2AEC5FBC05}" type="datetimeFigureOut">
               <a:rPr lang="en-US" smtClean="0"/>
-              <a:t>3/9/2017</a:t>
+              <a:t>09/03/17</a:t>
             </a:fld>
             <a:endParaRPr lang="en-US"/>
           </a:p>
@@ -2065,7 +2065,7 @@
           <a:p>
             <a:fld id="{8D61EE6A-9863-FF4C-86C7-9A2AEC5FBC05}" type="datetimeFigureOut">
               <a:rPr lang="en-US" smtClean="0"/>
-              <a:t>3/9/2017</a:t>
+              <a:t>09/03/17</a:t>
             </a:fld>
             <a:endParaRPr lang="en-US"/>
           </a:p>
@@ -2294,7 +2294,7 @@
           <a:p>
             <a:fld id="{8D61EE6A-9863-FF4C-86C7-9A2AEC5FBC05}" type="datetimeFigureOut">
               <a:rPr lang="en-US" smtClean="0"/>
-              <a:t>3/9/2017</a:t>
+              <a:t>09/03/17</a:t>
             </a:fld>
             <a:endParaRPr lang="en-US"/>
           </a:p>
@@ -2658,7 +2658,7 @@
           <a:p>
             <a:fld id="{8D61EE6A-9863-FF4C-86C7-9A2AEC5FBC05}" type="datetimeFigureOut">
               <a:rPr lang="en-US" smtClean="0"/>
-              <a:t>3/9/2017</a:t>
+              <a:t>09/03/17</a:t>
             </a:fld>
             <a:endParaRPr lang="en-US"/>
           </a:p>
@@ -2775,7 +2775,7 @@
           <a:p>
             <a:fld id="{8D61EE6A-9863-FF4C-86C7-9A2AEC5FBC05}" type="datetimeFigureOut">
               <a:rPr lang="en-US" smtClean="0"/>
-              <a:t>3/9/2017</a:t>
+              <a:t>09/03/17</a:t>
             </a:fld>
             <a:endParaRPr lang="en-US"/>
           </a:p>
@@ -2870,7 +2870,7 @@
           <a:p>
             <a:fld id="{8D61EE6A-9863-FF4C-86C7-9A2AEC5FBC05}" type="datetimeFigureOut">
               <a:rPr lang="en-US" smtClean="0"/>
-              <a:t>3/9/2017</a:t>
+              <a:t>09/03/17</a:t>
             </a:fld>
             <a:endParaRPr lang="en-US"/>
           </a:p>
@@ -3145,7 +3145,7 @@
           <a:p>
             <a:fld id="{8D61EE6A-9863-FF4C-86C7-9A2AEC5FBC05}" type="datetimeFigureOut">
               <a:rPr lang="en-US" smtClean="0"/>
-              <a:t>3/9/2017</a:t>
+              <a:t>09/03/17</a:t>
             </a:fld>
             <a:endParaRPr lang="en-US"/>
           </a:p>
@@ -3397,7 +3397,7 @@
           <a:p>
             <a:fld id="{8D61EE6A-9863-FF4C-86C7-9A2AEC5FBC05}" type="datetimeFigureOut">
               <a:rPr lang="en-US" smtClean="0"/>
-              <a:t>3/9/2017</a:t>
+              <a:t>09/03/17</a:t>
             </a:fld>
             <a:endParaRPr lang="en-US"/>
           </a:p>
@@ -3608,7 +3608,7 @@
           <a:p>
             <a:fld id="{8D61EE6A-9863-FF4C-86C7-9A2AEC5FBC05}" type="datetimeFigureOut">
               <a:rPr lang="en-US" smtClean="0"/>
-              <a:t>3/9/2017</a:t>
+              <a:t>09/03/17</a:t>
             </a:fld>
             <a:endParaRPr lang="en-US"/>
           </a:p>
@@ -4036,6 +4036,16 @@
           <a:lstStyle/>
           <a:p>
             <a:r>
+              <a:rPr lang="en-US" sz="7200" b="1" dirty="0" smtClean="0">
+                <a:solidFill>
+                  <a:schemeClr val="accent4">
+                    <a:lumMod val="75000"/>
+                  </a:schemeClr>
+                </a:solidFill>
+              </a:rPr>
+              <a:t>Goldsmiths </a:t>
+            </a:r>
+            <a:r>
               <a:rPr lang="en-US" sz="7200" b="1" dirty="0">
                 <a:solidFill>
                   <a:schemeClr val="accent4">
@@ -4043,7 +4053,7 @@
                   </a:schemeClr>
                 </a:solidFill>
               </a:rPr>
-              <a:t>Goldsmith’s Map App</a:t>
+              <a:t>Map App</a:t>
             </a:r>
           </a:p>
         </p:txBody>
@@ -4123,7 +4133,7 @@
         </p:blipFill>
         <p:spPr>
           <a:xfrm>
-            <a:off x="5321684" y="2784345"/>
+            <a:off x="5321684" y="2794669"/>
             <a:ext cx="6653486" cy="2486375"/>
           </a:xfrm>
           <a:prstGeom prst="rect">
@@ -4256,7 +4266,7 @@
         </p:nvSpPr>
         <p:spPr>
           <a:xfrm>
-            <a:off x="1234440" y="2069465"/>
+            <a:off x="1518171" y="2218075"/>
             <a:ext cx="9585960" cy="3975735"/>
           </a:xfrm>
         </p:spPr>
@@ -4360,8 +4370,8 @@
         </p:nvSpPr>
         <p:spPr>
           <a:xfrm>
-            <a:off x="1233311" y="1798246"/>
-            <a:ext cx="6242754" cy="4513979"/>
+            <a:off x="2007286" y="1582608"/>
+            <a:ext cx="6242754" cy="4286251"/>
           </a:xfrm>
         </p:spPr>
         <p:txBody>
@@ -4436,7 +4446,7 @@
         </p:blipFill>
         <p:spPr>
           <a:xfrm>
-            <a:off x="8402360" y="3378563"/>
+            <a:off x="8712130" y="3378563"/>
             <a:ext cx="930234" cy="1061198"/>
           </a:xfrm>
           <a:prstGeom prst="rect">
@@ -4463,7 +4473,7 @@
           <a:blip r:embed="rId4">
             <a:extLst>
               <a:ext uri="{96DAC541-7B7A-43D3-8B79-37D633B846F1}">
-                <asvg:svgBlip xmlns:asvg="http://schemas.microsoft.com/office/drawing/2016/SVG/main" r:embed="rId5"/>
+                <asvg:svgBlip xmlns="" xmlns:asvg="http://schemas.microsoft.com/office/drawing/2016/SVG/main" r:embed="rId5"/>
               </a:ext>
             </a:extLst>
           </a:blip>
@@ -4473,7 +4483,7 @@
         </p:blipFill>
         <p:spPr>
           <a:xfrm>
-            <a:off x="8209586" y="1798246"/>
+            <a:off x="8478053" y="1798246"/>
             <a:ext cx="1315876" cy="1315876"/>
           </a:xfrm>
           <a:prstGeom prst="rect">
@@ -4493,7 +4503,7 @@
           <a:blip r:embed="rId6">
             <a:extLst>
               <a:ext uri="{96DAC541-7B7A-43D3-8B79-37D633B846F1}">
-                <asvg:svgBlip xmlns:asvg="http://schemas.microsoft.com/office/drawing/2016/SVG/main" r:embed="rId7"/>
+                <asvg:svgBlip xmlns="" xmlns:asvg="http://schemas.microsoft.com/office/drawing/2016/SVG/main" r:embed="rId7"/>
               </a:ext>
             </a:extLst>
           </a:blip>
@@ -4503,7 +4513,7 @@
         </p:blipFill>
         <p:spPr>
           <a:xfrm>
-            <a:off x="8251020" y="4834550"/>
+            <a:off x="8561015" y="4834550"/>
             <a:ext cx="1232914" cy="1232914"/>
           </a:xfrm>
           <a:prstGeom prst="rect">
@@ -4551,7 +4561,12 @@
             <p:ph type="title"/>
           </p:nvPr>
         </p:nvSpPr>
-        <p:spPr/>
+        <p:spPr>
+          <a:xfrm>
+            <a:off x="838200" y="216516"/>
+            <a:ext cx="10515600" cy="1325563"/>
+          </a:xfrm>
+        </p:spPr>
         <p:txBody>
           <a:bodyPr/>
           <a:lstStyle/>
@@ -4582,8 +4597,8 @@
         </p:nvSpPr>
         <p:spPr>
           <a:xfrm>
-            <a:off x="838200" y="2014935"/>
-            <a:ext cx="6476298" cy="3220035"/>
+            <a:off x="1446195" y="2008035"/>
+            <a:ext cx="6782011" cy="3220035"/>
           </a:xfrm>
         </p:spPr>
         <p:txBody>
@@ -4592,7 +4607,15 @@
           <a:p>
             <a:r>
               <a:rPr lang="en-US" dirty="0"/>
-              <a:t>Used to get feedback on current design</a:t>
+              <a:t>Used to get feedback </a:t>
+            </a:r>
+            <a:r>
+              <a:rPr lang="en-US" dirty="0" smtClean="0"/>
+              <a:t>on the </a:t>
+            </a:r>
+            <a:r>
+              <a:rPr lang="en-US" dirty="0"/>
+              <a:t>current design</a:t>
             </a:r>
           </a:p>
           <a:p>
@@ -4601,7 +4624,15 @@
           <a:p>
             <a:r>
               <a:rPr lang="en-US" dirty="0"/>
-              <a:t>Used to verify target audience</a:t>
+              <a:t>Used to </a:t>
+            </a:r>
+            <a:r>
+              <a:rPr lang="en-US" dirty="0" smtClean="0"/>
+              <a:t>verify the </a:t>
+            </a:r>
+            <a:r>
+              <a:rPr lang="en-US" dirty="0"/>
+              <a:t>target audience</a:t>
             </a:r>
           </a:p>
           <a:p>
@@ -4609,11 +4640,9 @@
           </a:p>
           <a:p>
             <a:r>
-              <a:rPr lang="en-US" dirty="0"/>
-              <a:t>Will update the design based on results</a:t>
-            </a:r>
-          </a:p>
-          <a:p>
+              <a:rPr lang="en-US" dirty="0" smtClean="0"/>
+              <a:t>Shows the demand for the application</a:t>
+            </a:r>
             <a:endParaRPr lang="en-US" dirty="0"/>
           </a:p>
           <a:p>
@@ -4643,8 +4672,8 @@
         </p:blipFill>
         <p:spPr>
           <a:xfrm rot="16200000">
-            <a:off x="8359682" y="1956400"/>
-            <a:ext cx="3266278" cy="3383349"/>
+            <a:off x="9086559" y="2069548"/>
+            <a:ext cx="2552199" cy="2643675"/>
           </a:xfrm>
           <a:prstGeom prst="rect">
             <a:avLst/>
@@ -4667,7 +4696,7 @@
         </p:blipFill>
         <p:spPr>
           <a:xfrm>
-            <a:off x="7314498" y="3648075"/>
+            <a:off x="7746850" y="3425360"/>
             <a:ext cx="1088493" cy="580530"/>
           </a:xfrm>
           <a:prstGeom prst="rect">
@@ -4687,7 +4716,7 @@
           <a:blip r:embed="rId5">
             <a:extLst>
               <a:ext uri="{96DAC541-7B7A-43D3-8B79-37D633B846F1}">
-                <asvg:svgBlip xmlns:asvg="http://schemas.microsoft.com/office/drawing/2016/SVG/main" r:embed="rId6"/>
+                <asvg:svgBlip xmlns="" xmlns:asvg="http://schemas.microsoft.com/office/drawing/2016/SVG/main" r:embed="rId6"/>
               </a:ext>
             </a:extLst>
           </a:blip>
@@ -4697,7 +4726,7 @@
         </p:blipFill>
         <p:spPr>
           <a:xfrm>
-            <a:off x="2587528" y="4918347"/>
+            <a:off x="4953194" y="5099870"/>
             <a:ext cx="1281737" cy="1281737"/>
           </a:xfrm>
           <a:prstGeom prst="rect">
@@ -4717,7 +4746,7 @@
           <a:blip r:embed="rId7">
             <a:extLst>
               <a:ext uri="{96DAC541-7B7A-43D3-8B79-37D633B846F1}">
-                <asvg:svgBlip xmlns:asvg="http://schemas.microsoft.com/office/drawing/2016/SVG/main" r:embed="rId8"/>
+                <asvg:svgBlip xmlns="" xmlns:asvg="http://schemas.microsoft.com/office/drawing/2016/SVG/main" r:embed="rId8"/>
               </a:ext>
             </a:extLst>
           </a:blip>
@@ -4727,7 +4756,7 @@
         </p:blipFill>
         <p:spPr>
           <a:xfrm>
-            <a:off x="960012" y="4918346"/>
+            <a:off x="2459522" y="5099870"/>
             <a:ext cx="1281737" cy="1281737"/>
           </a:xfrm>
           <a:prstGeom prst="rect">
@@ -4777,7 +4806,7 @@
         </p:nvSpPr>
         <p:spPr>
           <a:xfrm>
-            <a:off x="827925" y="406222"/>
+            <a:off x="827925" y="210058"/>
             <a:ext cx="10515600" cy="1325563"/>
           </a:xfrm>
         </p:spPr>
@@ -4811,7 +4840,7 @@
         </p:nvSpPr>
         <p:spPr>
           <a:xfrm>
-            <a:off x="1615037" y="1659014"/>
+            <a:off x="2048617" y="1409011"/>
             <a:ext cx="3760640" cy="3239910"/>
           </a:xfrm>
         </p:spPr>
@@ -4827,8 +4856,8 @@
               </a:lnSpc>
             </a:pPr>
             <a:r>
-              <a:rPr lang="en-US" dirty="0"/>
-              <a:t>Gantt Chart</a:t>
+              <a:rPr lang="en-US" dirty="0" smtClean="0"/>
+              <a:t>Group Meetings</a:t>
             </a:r>
           </a:p>
           <a:p>
@@ -4849,8 +4878,12 @@
               </a:lnSpc>
             </a:pPr>
             <a:r>
+              <a:rPr lang="en-US" dirty="0" smtClean="0"/>
+              <a:t>Gantt </a:t>
+            </a:r>
+            <a:r>
               <a:rPr lang="en-US" dirty="0"/>
-              <a:t>Group Meetings</a:t>
+              <a:t>Chart</a:t>
             </a:r>
           </a:p>
           <a:p>
@@ -4860,7 +4893,7 @@
               </a:lnSpc>
             </a:pPr>
             <a:r>
-              <a:rPr lang="en-US" dirty="0" err="1"/>
+              <a:rPr lang="en-US" dirty="0" err="1" smtClean="0"/>
               <a:t>Github</a:t>
             </a:r>
             <a:endParaRPr lang="en-US" dirty="0"/>
@@ -4889,7 +4922,7 @@
         </p:blipFill>
         <p:spPr>
           <a:xfrm>
-            <a:off x="7673281" y="1731785"/>
+            <a:off x="6877124" y="1535621"/>
             <a:ext cx="2863474" cy="2806348"/>
           </a:xfrm>
           <a:prstGeom prst="rect">
@@ -4909,7 +4942,7 @@
           <a:blip r:embed="rId4">
             <a:extLst>
               <a:ext uri="{96DAC541-7B7A-43D3-8B79-37D633B846F1}">
-                <asvg:svgBlip xmlns:asvg="http://schemas.microsoft.com/office/drawing/2016/SVG/main" r:embed="rId5"/>
+                <asvg:svgBlip xmlns="" xmlns:asvg="http://schemas.microsoft.com/office/drawing/2016/SVG/main" r:embed="rId5"/>
               </a:ext>
             </a:extLst>
           </a:blip>
@@ -4919,7 +4952,7 @@
         </p:blipFill>
         <p:spPr>
           <a:xfrm>
-            <a:off x="1792937" y="5067514"/>
+            <a:off x="1927173" y="5067514"/>
             <a:ext cx="1271161" cy="1271161"/>
           </a:xfrm>
           <a:prstGeom prst="rect">
@@ -4939,7 +4972,7 @@
           <a:blip r:embed="rId6">
             <a:extLst>
               <a:ext uri="{96DAC541-7B7A-43D3-8B79-37D633B846F1}">
-                <asvg:svgBlip xmlns:asvg="http://schemas.microsoft.com/office/drawing/2016/SVG/main" r:embed="rId7"/>
+                <asvg:svgBlip xmlns="" xmlns:asvg="http://schemas.microsoft.com/office/drawing/2016/SVG/main" r:embed="rId7"/>
               </a:ext>
             </a:extLst>
           </a:blip>
@@ -4949,7 +4982,7 @@
         </p:blipFill>
         <p:spPr>
           <a:xfrm>
-            <a:off x="3928937" y="4898922"/>
+            <a:off x="4200914" y="4898922"/>
             <a:ext cx="1608343" cy="1608343"/>
           </a:xfrm>
           <a:prstGeom prst="rect">
@@ -4969,7 +5002,7 @@
           <a:blip r:embed="rId8">
             <a:extLst>
               <a:ext uri="{96DAC541-7B7A-43D3-8B79-37D633B846F1}">
-                <asvg:svgBlip xmlns:asvg="http://schemas.microsoft.com/office/drawing/2016/SVG/main" r:embed="rId9"/>
+                <asvg:svgBlip xmlns="" xmlns:asvg="http://schemas.microsoft.com/office/drawing/2016/SVG/main" r:embed="rId9"/>
               </a:ext>
             </a:extLst>
           </a:blip>
@@ -4979,7 +5012,7 @@
         </p:blipFill>
         <p:spPr>
           <a:xfrm>
-            <a:off x="6367777" y="5067511"/>
+            <a:off x="6760155" y="5067514"/>
             <a:ext cx="1271162" cy="1271162"/>
           </a:xfrm>
           <a:prstGeom prst="rect">
@@ -4999,7 +5032,7 @@
           <a:blip r:embed="rId10">
             <a:extLst>
               <a:ext uri="{96DAC541-7B7A-43D3-8B79-37D633B846F1}">
-                <asvg:svgBlip xmlns:asvg="http://schemas.microsoft.com/office/drawing/2016/SVG/main" r:embed="rId11"/>
+                <asvg:svgBlip xmlns="" xmlns:asvg="http://schemas.microsoft.com/office/drawing/2016/SVG/main" r:embed="rId11"/>
               </a:ext>
             </a:extLst>
           </a:blip>
@@ -5009,7 +5042,7 @@
         </p:blipFill>
         <p:spPr>
           <a:xfrm>
-            <a:off x="8469437" y="5067512"/>
+            <a:off x="8789534" y="5067514"/>
             <a:ext cx="1271161" cy="1271161"/>
           </a:xfrm>
           <a:prstGeom prst="rect">
@@ -5112,8 +5145,13 @@
           <a:p>
             <a:r>
               <a:rPr lang="en-US" dirty="0"/>
-              <a:t>Created Node maps of each buildings</a:t>
-            </a:r>
+              <a:t>Created Node maps of each </a:t>
+            </a:r>
+            <a:r>
+              <a:rPr lang="en-US" dirty="0" smtClean="0"/>
+              <a:t>building</a:t>
+            </a:r>
+            <a:endParaRPr lang="en-US" dirty="0"/>
           </a:p>
           <a:p>
             <a:endParaRPr lang="en-US" dirty="0"/>
@@ -5211,7 +5249,7 @@
         </p:nvSpPr>
         <p:spPr>
           <a:xfrm>
-            <a:off x="1332279" y="1839273"/>
+            <a:off x="1778142" y="1974373"/>
             <a:ext cx="9656928" cy="4351338"/>
           </a:xfrm>
         </p:spPr>
@@ -5219,6 +5257,38 @@
           <a:bodyPr/>
           <a:lstStyle/>
           <a:p>
+            <a:r>
+              <a:rPr lang="en-US" dirty="0" smtClean="0"/>
+              <a:t>To extract the data from the node maps efficiently</a:t>
+            </a:r>
+          </a:p>
+          <a:p>
+            <a:endParaRPr lang="en-US" dirty="0" smtClean="0"/>
+          </a:p>
+          <a:p>
+            <a:r>
+              <a:rPr lang="en-US" dirty="0" smtClean="0"/>
+              <a:t>Additional Research to find suitable data structures</a:t>
+            </a:r>
+            <a:endParaRPr lang="en-US" dirty="0"/>
+          </a:p>
+          <a:p>
+            <a:endParaRPr lang="en-US" dirty="0" smtClean="0"/>
+          </a:p>
+          <a:p>
+            <a:r>
+              <a:rPr lang="en-US" dirty="0" smtClean="0"/>
+              <a:t>Redesign the aesthetics based on user feedback</a:t>
+            </a:r>
+          </a:p>
+          <a:p>
+            <a:endParaRPr lang="en-US" dirty="0"/>
+          </a:p>
+          <a:p>
+            <a:r>
+              <a:rPr lang="en-US" dirty="0" smtClean="0"/>
+              <a:t>Implementing a working version for android</a:t>
+            </a:r>
             <a:endParaRPr lang="en-US" dirty="0"/>
           </a:p>
         </p:txBody>
@@ -5253,82 +5323,40 @@
           <a:chExt cx="0" cy="0"/>
         </a:xfrm>
       </p:grpSpPr>
-      <p:sp>
-        <p:nvSpPr>
-          <p:cNvPr id="3" name="Content Placeholder 2"/>
-          <p:cNvSpPr>
-            <a:spLocks noGrp="1"/>
-          </p:cNvSpPr>
-          <p:nvPr>
-            <p:ph idx="1"/>
-          </p:nvPr>
-        </p:nvSpPr>
-        <p:spPr/>
-        <p:txBody>
-          <a:bodyPr/>
-          <a:lstStyle/>
-          <a:p>
-            <a:endParaRPr lang="en-US" dirty="0"/>
-          </a:p>
-        </p:txBody>
-      </p:sp>
-      <p:sp>
-        <p:nvSpPr>
-          <p:cNvPr id="4" name="Title 1"/>
-          <p:cNvSpPr txBox="1">
-            <a:spLocks noGrp="1"/>
-          </p:cNvSpPr>
-          <p:nvPr>
-            <p:ph type="title"/>
-          </p:nvPr>
-        </p:nvSpPr>
+      <p:pic>
+        <p:nvPicPr>
+          <p:cNvPr id="4" name="Picture 3" descr="Question Time.jpg"/>
+          <p:cNvPicPr>
+            <a:picLocks noChangeAspect="1"/>
+          </p:cNvPicPr>
+          <p:nvPr/>
+        </p:nvPicPr>
+        <p:blipFill>
+          <a:blip r:embed="rId2">
+            <a:extLst>
+              <a:ext uri="{28A0092B-C50C-407E-A947-70E740481C1C}">
+                <a14:useLocalDpi xmlns:a14="http://schemas.microsoft.com/office/drawing/2010/main" val="0"/>
+              </a:ext>
+            </a:extLst>
+          </a:blip>
+          <a:stretch>
+            <a:fillRect/>
+          </a:stretch>
+        </p:blipFill>
         <p:spPr>
+          <a:xfrm>
+            <a:off x="3526375" y="886187"/>
+            <a:ext cx="5269294" cy="5269294"/>
+          </a:xfrm>
           <a:prstGeom prst="rect">
             <a:avLst/>
           </a:prstGeom>
         </p:spPr>
-        <p:txBody>
-          <a:bodyPr vert="horz" lIns="91440" tIns="45720" rIns="91440" bIns="45720" rtlCol="0" anchor="ctr">
-            <a:normAutofit/>
-          </a:bodyPr>
-          <a:lstStyle>
-            <a:lvl1pPr algn="l" defTabSz="914400" rtl="0" eaLnBrk="1" latinLnBrk="0" hangingPunct="1">
-              <a:lnSpc>
-                <a:spcPct val="90000"/>
-              </a:lnSpc>
-              <a:spcBef>
-                <a:spcPct val="0"/>
-              </a:spcBef>
-              <a:buNone/>
-              <a:defRPr sz="4400" kern="1200">
-                <a:solidFill>
-                  <a:schemeClr val="tx1"/>
-                </a:solidFill>
-                <a:latin typeface="+mj-lt"/>
-                <a:ea typeface="+mj-ea"/>
-                <a:cs typeface="+mj-cs"/>
-              </a:defRPr>
-            </a:lvl1pPr>
-          </a:lstStyle>
-          <a:p>
-            <a:pPr algn="ctr"/>
-            <a:r>
-              <a:rPr lang="en-US" b="1" dirty="0">
-                <a:solidFill>
-                  <a:schemeClr val="accent4">
-                    <a:lumMod val="75000"/>
-                  </a:schemeClr>
-                </a:solidFill>
-              </a:rPr>
-              <a:t>Addendum Build</a:t>
-            </a:r>
-          </a:p>
-        </p:txBody>
-      </p:sp>
+      </p:pic>
     </p:spTree>
     <p:extLst>
       <p:ext uri="{BB962C8B-B14F-4D97-AF65-F5344CB8AC3E}">
-        <p14:creationId xmlns:p14="http://schemas.microsoft.com/office/powerpoint/2010/main" val="846956590"/>
+        <p14:creationId xmlns:p14="http://schemas.microsoft.com/office/powerpoint/2010/main" val="337064700"/>
       </p:ext>
     </p:extLst>
   </p:cSld>
@@ -5593,7 +5621,7 @@
   <a:extraClrSchemeLst/>
   <a:extLst>
     <a:ext uri="{05A4C25C-085E-4340-85A3-A5531E510DB2}">
-      <thm15:themeFamily xmlns:thm15="http://schemas.microsoft.com/office/thememl/2012/main" name="Office Theme" id="{62F939B6-93AF-4DB8-9C6B-D6C7DFDC589F}" vid="{4A3C46E8-61CC-4603-A589-7422A47A8E4A}"/>
+      <thm15:themeFamily xmlns="" xmlns:thm15="http://schemas.microsoft.com/office/thememl/2012/main" name="Office Theme" id="{62F939B6-93AF-4DB8-9C6B-D6C7DFDC589F}" vid="{4A3C46E8-61CC-4603-A589-7422A47A8E4A}"/>
     </a:ext>
   </a:extLst>
 </a:theme>
@@ -5642,7 +5670,7 @@
     </a:clrScheme>
     <a:fontScheme name="Office">
       <a:majorFont>
-        <a:latin typeface="Calibri Light" panose="020F0302020204030204"/>
+        <a:latin typeface="Calibri Light"/>
         <a:ea typeface=""/>
         <a:cs typeface=""/>
         <a:font script="Jpan" typeface="游ゴシック Light"/>
@@ -5694,7 +5722,7 @@
         <a:font script="Tfng" typeface="Ebrima"/>
       </a:majorFont>
       <a:minorFont>
-        <a:latin typeface="Calibri" panose="020F0502020204030204"/>
+        <a:latin typeface="Calibri"/>
         <a:ea typeface=""/>
         <a:cs typeface=""/>
         <a:font script="Jpan" typeface="游ゴシック"/>
@@ -5888,7 +5916,7 @@
   <a:extraClrSchemeLst/>
   <a:extLst>
     <a:ext uri="{05A4C25C-085E-4340-85A3-A5531E510DB2}">
-      <thm15:themeFamily xmlns:thm15="http://schemas.microsoft.com/office/thememl/2012/main" name="Office Theme" id="{62F939B6-93AF-4DB8-9C6B-D6C7DFDC589F}" vid="{4A3C46E8-61CC-4603-A589-7422A47A8E4A}"/>
+      <thm15:themeFamily xmlns="" xmlns:thm15="http://schemas.microsoft.com/office/thememl/2012/main" name="Office Theme" id="{62F939B6-93AF-4DB8-9C6B-D6C7DFDC589F}" vid="{4A3C46E8-61CC-4603-A589-7422A47A8E4A}"/>
     </a:ext>
   </a:extLst>
 </a:theme>
